--- a/doc/Personas/HCI_persona_group28 (1).pptx
+++ b/doc/Personas/HCI_persona_group28 (1).pptx
@@ -267,7 +267,7 @@
             <a:fld id="{6FEC8D81-0837-1342-9F43-52A8BAE9D07D}" type="datetime1">
               <a:rPr lang="en-US" altLang="en-US"/>
               <a:pPr/>
-              <a:t>10/26/21</a:t>
+              <a:t>11/1/21</a:t>
             </a:fld>
             <a:endParaRPr lang="en-AU" altLang="en-US"/>
           </a:p>
@@ -460,7 +460,7 @@
             <a:fld id="{BF9CF4BC-373C-7D49-B383-0D182B32BE89}" type="datetime1">
               <a:rPr lang="en-US" altLang="en-US"/>
               <a:pPr/>
-              <a:t>10/26/21</a:t>
+              <a:t>11/1/21</a:t>
             </a:fld>
             <a:endParaRPr lang="en-AU" altLang="en-US"/>
           </a:p>
@@ -1586,7 +1586,7 @@
               </a14:hiddenLine>
             </a:ext>
             <a:ext uri="{FAA26D3D-D897-4be2-8F04-BA451C77F1D7}">
-              <ma14:placeholderFlag xmlns="" xmlns:ma14="http://schemas.microsoft.com/office/mac/drawingml/2011/main" val="1"/>
+              <ma14:placeholderFlag xmlns:ma14="http://schemas.microsoft.com/office/mac/drawingml/2011/main" xmlns="" val="1"/>
             </a:ext>
           </a:extLst>
         </p:spPr>
@@ -2986,25 +2986,7 @@
                 </a:solidFill>
                 <a:latin typeface="Arial Narrow" charset="0"/>
               </a:rPr>
-              <a:t> it’s a researcher in China that comes up with solutions to agricultural obstacles through </a:t>
-            </a:r>
-            <a:r>
-              <a:rPr lang="en-US" altLang="en-US" sz="1200" b="0" dirty="0" err="1">
-                <a:solidFill>
-                  <a:srgbClr val="595959"/>
-                </a:solidFill>
-                <a:latin typeface="Arial Narrow" charset="0"/>
-              </a:rPr>
-              <a:t>anaylsing</a:t>
-            </a:r>
-            <a:r>
-              <a:rPr lang="en-US" altLang="en-US" sz="1200" b="0" dirty="0">
-                <a:solidFill>
-                  <a:srgbClr val="595959"/>
-                </a:solidFill>
-                <a:latin typeface="Arial Narrow" charset="0"/>
-              </a:rPr>
-              <a:t> data. He works in a company far from the farm location where the data is collected.</a:t>
+              <a:t> it’s a researcher in China that proposes solutions to agricultural obstacles through data analysis. He works in a company far from the farm location where the data is manually collected.</a:t>
             </a:r>
           </a:p>
           <a:p>
@@ -3040,7 +3022,7 @@
         </p:nvSpPr>
         <p:spPr>
           <a:xfrm>
-            <a:off x="3352800" y="1922960"/>
+            <a:off x="3272348" y="1956052"/>
             <a:ext cx="2895600" cy="4114800"/>
           </a:xfrm>
           <a:prstGeom prst="rect">
@@ -3195,7 +3177,7 @@
                 </a:solidFill>
                 <a:latin typeface="Arial Narrow" charset="0"/>
               </a:rPr>
-              <a:t>Increase sustainability of food </a:t>
+              <a:t>To increase sustainability of food </a:t>
             </a:r>
             <a:r>
               <a:rPr lang="en-GB" sz="1200" b="0" dirty="0">
@@ -3228,13 +3210,22 @@
               <a:buChar char="§"/>
             </a:pPr>
             <a:r>
-              <a:rPr lang="en-US" altLang="en-US" sz="1200" b="0" dirty="0" err="1">
+              <a:rPr lang="en-US" altLang="en-US" sz="1200" b="0" dirty="0">
                 <a:solidFill>
                   <a:srgbClr val="595959"/>
                 </a:solidFill>
                 <a:latin typeface="Arial Narrow" charset="0"/>
               </a:rPr>
-              <a:t>Maximise</a:t>
+              <a:t>To </a:t>
+            </a:r>
+            <a:r>
+              <a:rPr lang="en-US" altLang="en-US" sz="1200" b="0" dirty="0" err="1">
+                <a:solidFill>
+                  <a:srgbClr val="595959"/>
+                </a:solidFill>
+                <a:latin typeface="Arial Narrow" charset="0"/>
+              </a:rPr>
+              <a:t>maximise</a:t>
             </a:r>
             <a:r>
               <a:rPr lang="en-US" altLang="en-US" sz="1200" b="0" dirty="0">
@@ -3304,7 +3295,7 @@
                 </a:solidFill>
                 <a:latin typeface="Arial Narrow" charset="0"/>
               </a:rPr>
-              <a:t>Better understand collected data.</a:t>
+              <a:t>To better understand collected data.</a:t>
             </a:r>
           </a:p>
           <a:p>
@@ -3319,13 +3310,22 @@
               <a:buChar char="§"/>
             </a:pPr>
             <a:r>
-              <a:rPr lang="en-US" altLang="en-US" sz="1200" b="0" dirty="0" err="1">
+              <a:rPr lang="en-US" altLang="en-US" sz="1200" b="0" dirty="0">
                 <a:solidFill>
                   <a:srgbClr val="595959"/>
                 </a:solidFill>
                 <a:latin typeface="Arial Narrow" charset="0"/>
               </a:rPr>
-              <a:t>Optimise</a:t>
+              <a:t>To </a:t>
+            </a:r>
+            <a:r>
+              <a:rPr lang="en-US" altLang="en-US" sz="1200" b="0" dirty="0" err="1">
+                <a:solidFill>
+                  <a:srgbClr val="595959"/>
+                </a:solidFill>
+                <a:latin typeface="Arial Narrow" charset="0"/>
+              </a:rPr>
+              <a:t>optimise</a:t>
             </a:r>
             <a:r>
               <a:rPr lang="en-US" altLang="en-US" sz="1200" b="0" dirty="0">
@@ -3697,7 +3697,7 @@
                 </a:solidFill>
                 <a:latin typeface="Arial Narrow" charset="0"/>
               </a:rPr>
-              <a:t>Agricultural Research Analyst</a:t>
+              <a:t>Agricultural Research Scientist</a:t>
             </a:r>
             <a:endParaRPr lang="en-US" altLang="en-US" sz="1600" b="0" dirty="0">
               <a:solidFill>
@@ -7094,7 +7094,7 @@
         </p:nvSpPr>
         <p:spPr>
           <a:xfrm>
-            <a:off x="199609" y="4672201"/>
+            <a:off x="131763" y="4514886"/>
             <a:ext cx="2743200" cy="1569660"/>
           </a:xfrm>
           <a:prstGeom prst="rect">
@@ -7249,7 +7249,7 @@
                 </a:solidFill>
                 <a:latin typeface="Arial Narrow" charset="0"/>
               </a:rPr>
-              <a:t> is a 55-year-old farmer in Thailand who does manual work for large areas in the field. Since she is quite old, she often has back problems with diminishing physical strength in her upper body. Her children could not help her maintain the farm as they have jobs in the city. They provide her with some of their income.</a:t>
+              <a:t> is a 65-year-old farmer in Thailand who carries out manual work for large areas in the field. Since she is elderly, she often has back problems with diminishing physical strength in her upper body. Her children could not help her maintain the farm as they have jobs in the city. They provide her with some of their income.</a:t>
             </a:r>
           </a:p>
         </p:txBody>

--- a/doc/Personas/HCI_persona_group28 (1).pptx
+++ b/doc/Personas/HCI_persona_group28 (1).pptx
@@ -7249,7 +7249,7 @@
                 </a:solidFill>
                 <a:latin typeface="Arial Narrow" charset="0"/>
               </a:rPr>
-              <a:t> is a 65-year-old farmer in Thailand who carries out manual work for large areas in the field. Since she is elderly, she often has back problems with diminishing physical strength in her upper body. Her children could not help her maintain the farm as they have jobs in the city. They provide her with some of their income.</a:t>
+              <a:t> is a 75-year-old farmer in Thailand who carries out manual work for large areas in the field. Since she is elderly, she often has back problems with diminishing physical strength in her upper body. Her children could not help her maintain the farm as they have jobs in the city, but they regularly provide her with some of their income.</a:t>
             </a:r>
           </a:p>
         </p:txBody>
@@ -7264,7 +7264,7 @@
         </p:nvSpPr>
         <p:spPr>
           <a:xfrm>
-            <a:off x="3352800" y="1752600"/>
+            <a:off x="3232662" y="1998663"/>
             <a:ext cx="2895600" cy="4412704"/>
           </a:xfrm>
           <a:prstGeom prst="rect">
@@ -7419,7 +7419,7 @@
                 </a:solidFill>
                 <a:latin typeface="Arial Narrow" charset="0"/>
               </a:rPr>
-              <a:t>To find ways to complete manual tasks efficiently, requiring low physical strength.</a:t>
+              <a:t>To complete manual tasks efficiently, requiring low physical strength.</a:t>
             </a:r>
           </a:p>
           <a:p>
@@ -7461,7 +7461,7 @@
                 </a:solidFill>
                 <a:latin typeface="Arial Narrow" charset="0"/>
               </a:rPr>
-              <a:t>To keep her crops and lands in good condition.</a:t>
+              <a:t>To ensure her crops and lands are in good condition.</a:t>
             </a:r>
           </a:p>
           <a:p>
@@ -7482,18 +7482,6 @@
               </a:rPr>
               <a:t>Goals</a:t>
             </a:r>
-          </a:p>
-          <a:p>
-            <a:pPr>
-              <a:spcBef>
-                <a:spcPts val="325"/>
-              </a:spcBef>
-              <a:buClr>
-                <a:srgbClr val="0070C0"/>
-              </a:buClr>
-              <a:buFont typeface="Wingdings" charset="2"/>
-              <a:buChar char="§"/>
-            </a:pPr>
             <a:r>
               <a:rPr lang="en-US" altLang="en-US" sz="1200" b="0" dirty="0">
                 <a:solidFill>
@@ -7501,7 +7489,7 @@
                 </a:solidFill>
                 <a:latin typeface="Arial Narrow" charset="0"/>
               </a:rPr>
-              <a:t>To sell her food products in markets. </a:t>
+              <a:t> </a:t>
             </a:r>
           </a:p>
           <a:p>
@@ -7543,7 +7531,7 @@
                 </a:solidFill>
                 <a:latin typeface="Arial Narrow" charset="0"/>
               </a:rPr>
-              <a:t>To prevent destruction caused by natural phenomena.</a:t>
+              <a:t>To minimize impact caused by natural phenomena.</a:t>
             </a:r>
           </a:p>
           <a:p>
@@ -7585,25 +7573,7 @@
                 </a:solidFill>
                 <a:latin typeface="Arial Narrow" charset="0"/>
               </a:rPr>
-              <a:t>A lot of manual </a:t>
-            </a:r>
-            <a:r>
-              <a:rPr lang="en-US" altLang="en-US" sz="1200" b="0" dirty="0" err="1">
-                <a:solidFill>
-                  <a:srgbClr val="595959"/>
-                </a:solidFill>
-                <a:latin typeface="Arial Narrow" charset="0"/>
-              </a:rPr>
-              <a:t>labour</a:t>
-            </a:r>
-            <a:r>
-              <a:rPr lang="en-US" altLang="en-US" sz="1200" b="0" dirty="0">
-                <a:solidFill>
-                  <a:srgbClr val="595959"/>
-                </a:solidFill>
-                <a:latin typeface="Arial Narrow" charset="0"/>
-              </a:rPr>
-              <a:t> required to maintain the farm.</a:t>
+              <a:t>A lot of manual labor required to maintain the farm.</a:t>
             </a:r>
           </a:p>
           <a:p>
@@ -7658,7 +7628,7 @@
         </p:nvSpPr>
         <p:spPr>
           <a:xfrm>
-            <a:off x="3352800" y="871538"/>
+            <a:off x="3319462" y="935640"/>
             <a:ext cx="3124200" cy="830997"/>
           </a:xfrm>
           <a:prstGeom prst="rect">
@@ -8161,7 +8131,7 @@
         </p:nvSpPr>
         <p:spPr bwMode="auto">
           <a:xfrm>
-            <a:off x="307974" y="202077"/>
+            <a:off x="307974" y="292785"/>
             <a:ext cx="6186488" cy="490538"/>
           </a:xfrm>
           <a:prstGeom prst="rect">
